--- a/docs/step_2.pptx
+++ b/docs/step_2.pptx
@@ -9,6 +9,7 @@
     <p:sldId id="257" r:id="rId3"/>
     <p:sldId id="258" r:id="rId4"/>
     <p:sldId id="259" r:id="rId5"/>
+    <p:sldId id="260" r:id="rId6"/>
   </p:sldIdLst>
   <p:sldSz cx="12192000" cy="6858000"/>
   <p:notesSz cx="6858000" cy="9144000"/>
@@ -4017,6 +4018,205 @@
 </p:sld>
 </file>
 
+<file path=ppt/slides/slide5.xml><?xml version="1.0" encoding="utf-8"?>
+<p:sld xmlns:a="http://schemas.openxmlformats.org/drawingml/2006/main" xmlns:r="http://schemas.openxmlformats.org/officeDocument/2006/relationships" xmlns:p="http://schemas.openxmlformats.org/presentationml/2006/main">
+  <p:cSld>
+    <p:spTree>
+      <p:nvGrpSpPr>
+        <p:cNvPr id="1" name=""/>
+        <p:cNvGrpSpPr/>
+        <p:nvPr/>
+      </p:nvGrpSpPr>
+      <p:grpSpPr>
+        <a:xfrm>
+          <a:off x="0" y="0"/>
+          <a:ext cx="0" cy="0"/>
+          <a:chOff x="0" y="0"/>
+          <a:chExt cx="0" cy="0"/>
+        </a:xfrm>
+      </p:grpSpPr>
+      <p:sp>
+        <p:nvSpPr>
+          <p:cNvPr id="2" name="Заголовок 1">
+            <a:extLst>
+              <a:ext uri="{FF2B5EF4-FFF2-40B4-BE49-F238E27FC236}">
+                <a16:creationId xmlns:a16="http://schemas.microsoft.com/office/drawing/2014/main" id="{A3375120-B977-4DAF-AA0E-A542F1D373F5}"/>
+              </a:ext>
+            </a:extLst>
+          </p:cNvPr>
+          <p:cNvSpPr>
+            <a:spLocks noGrp="1"/>
+          </p:cNvSpPr>
+          <p:nvPr>
+            <p:ph type="title"/>
+          </p:nvPr>
+        </p:nvSpPr>
+        <p:spPr>
+          <a:xfrm>
+            <a:off x="0" y="0"/>
+            <a:ext cx="12260062" cy="1664056"/>
+          </a:xfrm>
+        </p:spPr>
+        <p:txBody>
+          <a:bodyPr/>
+          <a:lstStyle/>
+          <a:p>
+            <a:pPr algn="ctr"/>
+            <a:r>
+              <a:rPr lang="ru-RU" dirty="0"/>
+              <a:t>Задачи на третий этап:</a:t>
+            </a:r>
+          </a:p>
+        </p:txBody>
+      </p:sp>
+      <p:sp>
+        <p:nvSpPr>
+          <p:cNvPr id="3" name="Объект 2">
+            <a:extLst>
+              <a:ext uri="{FF2B5EF4-FFF2-40B4-BE49-F238E27FC236}">
+                <a16:creationId xmlns:a16="http://schemas.microsoft.com/office/drawing/2014/main" id="{C9C47344-64F0-49B5-AA70-F5DB78FD8F44}"/>
+              </a:ext>
+            </a:extLst>
+          </p:cNvPr>
+          <p:cNvSpPr>
+            <a:spLocks noGrp="1"/>
+          </p:cNvSpPr>
+          <p:nvPr>
+            <p:ph idx="1"/>
+          </p:nvPr>
+        </p:nvSpPr>
+        <p:spPr>
+          <a:xfrm>
+            <a:off x="838200" y="1305016"/>
+            <a:ext cx="10515600" cy="4871947"/>
+          </a:xfrm>
+        </p:spPr>
+        <p:txBody>
+          <a:bodyPr>
+            <a:normAutofit/>
+          </a:bodyPr>
+          <a:lstStyle/>
+          <a:p>
+            <a:r>
+              <a:rPr lang="ru-RU" dirty="0">
+                <a:latin typeface="+mj-lt"/>
+              </a:rPr>
+              <a:t>Реализовать </a:t>
+            </a:r>
+            <a:r>
+              <a:rPr lang="ru-RU" dirty="0" err="1">
+                <a:latin typeface="+mj-lt"/>
+              </a:rPr>
+              <a:t>предпросмотр</a:t>
+            </a:r>
+            <a:r>
+              <a:rPr lang="ru-RU" dirty="0">
+                <a:latin typeface="+mj-lt"/>
+              </a:rPr>
+              <a:t> без предварительного рендеринга</a:t>
+            </a:r>
+            <a:r>
+              <a:rPr lang="en-US" dirty="0">
+                <a:latin typeface="+mj-lt"/>
+              </a:rPr>
+              <a:t> (#12)</a:t>
+            </a:r>
+          </a:p>
+          <a:p>
+            <a:r>
+              <a:rPr lang="ru-RU" dirty="0">
+                <a:latin typeface="+mj-lt"/>
+              </a:rPr>
+              <a:t>Добавить ручной выбор промежутков вырезки</a:t>
+            </a:r>
+            <a:r>
+              <a:rPr lang="en-US" dirty="0">
+                <a:latin typeface="+mj-lt"/>
+              </a:rPr>
+              <a:t> (#13)</a:t>
+            </a:r>
+            <a:endParaRPr lang="ru-RU" dirty="0">
+              <a:latin typeface="+mj-lt"/>
+            </a:endParaRPr>
+          </a:p>
+          <a:p>
+            <a:r>
+              <a:rPr lang="ru-RU" dirty="0">
+                <a:latin typeface="+mj-lt"/>
+              </a:rPr>
+              <a:t>Выводить в пользовательский интерфейс гистограмму звука для более понятной логики выбора вырезаемых промежутков и их точного ручного определения</a:t>
+            </a:r>
+            <a:r>
+              <a:rPr lang="en-US" dirty="0">
+                <a:latin typeface="+mj-lt"/>
+              </a:rPr>
+              <a:t> (#14)</a:t>
+            </a:r>
+            <a:endParaRPr lang="ru-RU" dirty="0">
+              <a:latin typeface="+mj-lt"/>
+            </a:endParaRPr>
+          </a:p>
+          <a:p>
+            <a:r>
+              <a:rPr lang="ru-RU" dirty="0">
+                <a:latin typeface="+mj-lt"/>
+              </a:rPr>
+              <a:t>Перенести части функционала (например</a:t>
+            </a:r>
+            <a:r>
+              <a:rPr lang="en-US" dirty="0">
+                <a:latin typeface="+mj-lt"/>
+              </a:rPr>
+              <a:t>, </a:t>
+            </a:r>
+            <a:r>
+              <a:rPr lang="ru-RU" dirty="0">
+                <a:latin typeface="+mj-lt"/>
+              </a:rPr>
+              <a:t>выбор файлов) с главного экрана в меню</a:t>
+            </a:r>
+            <a:r>
+              <a:rPr lang="en-US" dirty="0">
+                <a:latin typeface="+mj-lt"/>
+              </a:rPr>
+              <a:t> (#15)</a:t>
+            </a:r>
+            <a:endParaRPr lang="ru-RU" dirty="0">
+              <a:latin typeface="+mj-lt"/>
+            </a:endParaRPr>
+          </a:p>
+          <a:p>
+            <a:r>
+              <a:rPr lang="ru-RU" dirty="0">
+                <a:latin typeface="+mj-lt"/>
+              </a:rPr>
+              <a:t>Провести тестирование для определения оптимальных начальных значений задаваемых параметров на основе курсов </a:t>
+            </a:r>
+            <a:r>
+              <a:rPr lang="en-US" dirty="0" err="1">
+                <a:latin typeface="+mj-lt"/>
+              </a:rPr>
+              <a:t>Stepik</a:t>
+            </a:r>
+            <a:endParaRPr lang="en-US" dirty="0">
+              <a:latin typeface="+mj-lt"/>
+            </a:endParaRPr>
+          </a:p>
+        </p:txBody>
+      </p:sp>
+    </p:spTree>
+    <p:extLst>
+      <p:ext uri="{BB962C8B-B14F-4D97-AF65-F5344CB8AC3E}">
+        <p14:creationId xmlns:p14="http://schemas.microsoft.com/office/powerpoint/2010/main" val="72298268"/>
+      </p:ext>
+    </p:extLst>
+  </p:cSld>
+  <p:clrMapOvr>
+    <a:masterClrMapping/>
+  </p:clrMapOvr>
+</p:sld>
+</file>
+
 <file path=ppt/theme/theme1.xml><?xml version="1.0" encoding="utf-8"?>
 <a:theme xmlns:a="http://schemas.openxmlformats.org/drawingml/2006/main" name="Тема Office">
   <a:themeElements>

--- a/docs/step_2.pptx
+++ b/docs/step_2.pptx
@@ -8,8 +8,9 @@
     <p:sldId id="256" r:id="rId2"/>
     <p:sldId id="257" r:id="rId3"/>
     <p:sldId id="258" r:id="rId4"/>
-    <p:sldId id="259" r:id="rId5"/>
-    <p:sldId id="260" r:id="rId6"/>
+    <p:sldId id="261" r:id="rId5"/>
+    <p:sldId id="259" r:id="rId6"/>
+    <p:sldId id="260" r:id="rId7"/>
   </p:sldIdLst>
   <p:sldSz cx="12192000" cy="6858000"/>
   <p:notesSz cx="6858000" cy="9144000"/>
@@ -263,7 +264,7 @@
           <a:p>
             <a:fld id="{4EA3EBB6-1614-4591-BB91-7C1C6E332B5C}" type="datetimeFigureOut">
               <a:rPr lang="ru-RU" smtClean="0"/>
-              <a:t>22.11.2018</a:t>
+              <a:t>23.11.2018</a:t>
             </a:fld>
             <a:endParaRPr lang="ru-RU"/>
           </a:p>
@@ -461,7 +462,7 @@
           <a:p>
             <a:fld id="{4EA3EBB6-1614-4591-BB91-7C1C6E332B5C}" type="datetimeFigureOut">
               <a:rPr lang="ru-RU" smtClean="0"/>
-              <a:t>22.11.2018</a:t>
+              <a:t>23.11.2018</a:t>
             </a:fld>
             <a:endParaRPr lang="ru-RU"/>
           </a:p>
@@ -669,7 +670,7 @@
           <a:p>
             <a:fld id="{4EA3EBB6-1614-4591-BB91-7C1C6E332B5C}" type="datetimeFigureOut">
               <a:rPr lang="ru-RU" smtClean="0"/>
-              <a:t>22.11.2018</a:t>
+              <a:t>23.11.2018</a:t>
             </a:fld>
             <a:endParaRPr lang="ru-RU"/>
           </a:p>
@@ -867,7 +868,7 @@
           <a:p>
             <a:fld id="{4EA3EBB6-1614-4591-BB91-7C1C6E332B5C}" type="datetimeFigureOut">
               <a:rPr lang="ru-RU" smtClean="0"/>
-              <a:t>22.11.2018</a:t>
+              <a:t>23.11.2018</a:t>
             </a:fld>
             <a:endParaRPr lang="ru-RU"/>
           </a:p>
@@ -1142,7 +1143,7 @@
           <a:p>
             <a:fld id="{4EA3EBB6-1614-4591-BB91-7C1C6E332B5C}" type="datetimeFigureOut">
               <a:rPr lang="ru-RU" smtClean="0"/>
-              <a:t>22.11.2018</a:t>
+              <a:t>23.11.2018</a:t>
             </a:fld>
             <a:endParaRPr lang="ru-RU"/>
           </a:p>
@@ -1407,7 +1408,7 @@
           <a:p>
             <a:fld id="{4EA3EBB6-1614-4591-BB91-7C1C6E332B5C}" type="datetimeFigureOut">
               <a:rPr lang="ru-RU" smtClean="0"/>
-              <a:t>22.11.2018</a:t>
+              <a:t>23.11.2018</a:t>
             </a:fld>
             <a:endParaRPr lang="ru-RU"/>
           </a:p>
@@ -1824,7 +1825,7 @@
           <a:p>
             <a:fld id="{4EA3EBB6-1614-4591-BB91-7C1C6E332B5C}" type="datetimeFigureOut">
               <a:rPr lang="ru-RU" smtClean="0"/>
-              <a:t>22.11.2018</a:t>
+              <a:t>23.11.2018</a:t>
             </a:fld>
             <a:endParaRPr lang="ru-RU"/>
           </a:p>
@@ -1970,7 +1971,7 @@
           <a:p>
             <a:fld id="{4EA3EBB6-1614-4591-BB91-7C1C6E332B5C}" type="datetimeFigureOut">
               <a:rPr lang="ru-RU" smtClean="0"/>
-              <a:t>22.11.2018</a:t>
+              <a:t>23.11.2018</a:t>
             </a:fld>
             <a:endParaRPr lang="ru-RU"/>
           </a:p>
@@ -2083,7 +2084,7 @@
           <a:p>
             <a:fld id="{4EA3EBB6-1614-4591-BB91-7C1C6E332B5C}" type="datetimeFigureOut">
               <a:rPr lang="ru-RU" smtClean="0"/>
-              <a:t>22.11.2018</a:t>
+              <a:t>23.11.2018</a:t>
             </a:fld>
             <a:endParaRPr lang="ru-RU"/>
           </a:p>
@@ -2394,7 +2395,7 @@
           <a:p>
             <a:fld id="{4EA3EBB6-1614-4591-BB91-7C1C6E332B5C}" type="datetimeFigureOut">
               <a:rPr lang="ru-RU" smtClean="0"/>
-              <a:t>22.11.2018</a:t>
+              <a:t>23.11.2018</a:t>
             </a:fld>
             <a:endParaRPr lang="ru-RU"/>
           </a:p>
@@ -2687,7 +2688,7 @@
           <a:p>
             <a:fld id="{4EA3EBB6-1614-4591-BB91-7C1C6E332B5C}" type="datetimeFigureOut">
               <a:rPr lang="ru-RU" smtClean="0"/>
-              <a:t>22.11.2018</a:t>
+              <a:t>23.11.2018</a:t>
             </a:fld>
             <a:endParaRPr lang="ru-RU"/>
           </a:p>
@@ -2928,7 +2929,7 @@
           <a:p>
             <a:fld id="{4EA3EBB6-1614-4591-BB91-7C1C6E332B5C}" type="datetimeFigureOut">
               <a:rPr lang="ru-RU" smtClean="0"/>
-              <a:t>22.11.2018</a:t>
+              <a:t>23.11.2018</a:t>
             </a:fld>
             <a:endParaRPr lang="ru-RU"/>
           </a:p>
@@ -3787,6 +3788,32 @@
               <a:rPr lang="ru-RU" dirty="0">
                 <a:latin typeface="+mj-lt"/>
               </a:rPr>
+              <a:t>Конвертация проекта </a:t>
+            </a:r>
+            <a:r>
+              <a:rPr lang="en-US" dirty="0">
+                <a:latin typeface="+mj-lt"/>
+              </a:rPr>
+              <a:t>Qt Designer </a:t>
+            </a:r>
+            <a:r>
+              <a:rPr lang="ru-RU" dirty="0">
+                <a:latin typeface="+mj-lt"/>
+              </a:rPr>
+              <a:t>в набор классов </a:t>
+            </a:r>
+            <a:r>
+              <a:rPr lang="en-US" dirty="0">
+                <a:latin typeface="+mj-lt"/>
+              </a:rPr>
+              <a:t>Python</a:t>
+            </a:r>
+          </a:p>
+          <a:p>
+            <a:r>
+              <a:rPr lang="ru-RU" dirty="0">
+                <a:latin typeface="+mj-lt"/>
+              </a:rPr>
               <a:t>Реализовать основной функционал пользовательского интерфейса</a:t>
             </a:r>
           </a:p>
@@ -3826,7 +3853,7 @@
               <a:rPr lang="en-US" dirty="0">
                 <a:latin typeface="+mj-lt"/>
               </a:rPr>
-              <a:t>API</a:t>
+              <a:t>API (#10)</a:t>
             </a:r>
           </a:p>
           <a:p>
@@ -3873,9 +3900,12 @@
               </a:rPr>
               <a:t> будет использоваться дважды (для исходного файла и для предварительного результата)</a:t>
             </a:r>
-            <a:endParaRPr lang="en-US" dirty="0">
-              <a:latin typeface="+mj-lt"/>
-            </a:endParaRPr>
+            <a:r>
+              <a:rPr lang="en-US" dirty="0">
+                <a:latin typeface="+mj-lt"/>
+              </a:rPr>
+              <a:t> (#9)</a:t>
+            </a:r>
           </a:p>
           <a:p>
             <a:r>
@@ -3896,9 +3926,12 @@
               </a:rPr>
               <a:t>из пользовательского интерфейса </a:t>
             </a:r>
-            <a:endParaRPr lang="en-US" dirty="0">
-              <a:latin typeface="+mj-lt"/>
-            </a:endParaRPr>
+            <a:r>
+              <a:rPr lang="en-US" dirty="0">
+                <a:latin typeface="+mj-lt"/>
+              </a:rPr>
+              <a:t>(#11)</a:t>
+            </a:r>
           </a:p>
           <a:p>
             <a:pPr lvl="1"/>
@@ -3969,7 +4002,7 @@
             <a:pPr algn="ctr"/>
             <a:r>
               <a:rPr lang="ru-RU" dirty="0"/>
-              <a:t>Интерфейс</a:t>
+              <a:t>Разработка интерфейса</a:t>
             </a:r>
           </a:p>
         </p:txBody>
@@ -3979,7 +4012,7 @@
           <p:cNvPr id="6" name="Объект 5">
             <a:extLst>
               <a:ext uri="{FF2B5EF4-FFF2-40B4-BE49-F238E27FC236}">
-                <a16:creationId xmlns:a16="http://schemas.microsoft.com/office/drawing/2014/main" id="{4C585391-4116-A245-8558-BFCF2C05B97C}"/>
+                <a16:creationId xmlns:a16="http://schemas.microsoft.com/office/drawing/2014/main" id="{24D0EE41-56E1-ED4A-AEB7-2DE53D026875}"/>
               </a:ext>
             </a:extLst>
           </p:cNvPr>
@@ -3990,15 +4023,105 @@
             <p:ph idx="1"/>
           </p:nvPr>
         </p:nvPicPr>
+        <p:blipFill>
+          <a:blip r:embed="rId2"/>
+          <a:stretch>
+            <a:fillRect/>
+          </a:stretch>
+        </p:blipFill>
+        <p:spPr>
+          <a:xfrm>
+            <a:off x="216075" y="4517573"/>
+            <a:ext cx="2513664" cy="2083111"/>
+          </a:xfrm>
+          <a:prstGeom prst="rect">
+            <a:avLst/>
+          </a:prstGeom>
+        </p:spPr>
+      </p:pic>
+      <p:pic>
+        <p:nvPicPr>
+          <p:cNvPr id="5" name="Рисунок 4">
+            <a:extLst>
+              <a:ext uri="{FF2B5EF4-FFF2-40B4-BE49-F238E27FC236}">
+                <a16:creationId xmlns:a16="http://schemas.microsoft.com/office/drawing/2014/main" id="{3634A6D3-81CD-DA4C-B986-1E4CD255788B}"/>
+              </a:ext>
+            </a:extLst>
+          </p:cNvPr>
+          <p:cNvPicPr>
+            <a:picLocks noChangeAspect="1"/>
+          </p:cNvPicPr>
+          <p:nvPr/>
+        </p:nvPicPr>
+        <p:blipFill>
+          <a:blip r:embed="rId3"/>
+          <a:stretch>
+            <a:fillRect/>
+          </a:stretch>
+        </p:blipFill>
+        <p:spPr>
+          <a:xfrm>
+            <a:off x="216075" y="865415"/>
+            <a:ext cx="2035054" cy="3521528"/>
+          </a:xfrm>
+          <a:prstGeom prst="rect">
+            <a:avLst/>
+          </a:prstGeom>
+        </p:spPr>
+      </p:pic>
+      <p:pic>
+        <p:nvPicPr>
+          <p:cNvPr id="8" name="Рисунок 7">
+            <a:extLst>
+              <a:ext uri="{FF2B5EF4-FFF2-40B4-BE49-F238E27FC236}">
+                <a16:creationId xmlns:a16="http://schemas.microsoft.com/office/drawing/2014/main" id="{EECBB10D-C269-154F-BE23-3F40B4AC931C}"/>
+              </a:ext>
+            </a:extLst>
+          </p:cNvPr>
+          <p:cNvPicPr>
+            <a:picLocks noChangeAspect="1"/>
+          </p:cNvPicPr>
+          <p:nvPr/>
+        </p:nvPicPr>
+        <p:blipFill>
+          <a:blip r:embed="rId4"/>
+          <a:stretch>
+            <a:fillRect/>
+          </a:stretch>
+        </p:blipFill>
+        <p:spPr>
+          <a:xfrm>
+            <a:off x="9392683" y="846677"/>
+            <a:ext cx="2583242" cy="5344886"/>
+          </a:xfrm>
+          <a:prstGeom prst="rect">
+            <a:avLst/>
+          </a:prstGeom>
+        </p:spPr>
+      </p:pic>
+      <p:pic>
+        <p:nvPicPr>
+          <p:cNvPr id="9" name="Рисунок 8">
+            <a:extLst>
+              <a:ext uri="{FF2B5EF4-FFF2-40B4-BE49-F238E27FC236}">
+                <a16:creationId xmlns:a16="http://schemas.microsoft.com/office/drawing/2014/main" id="{E093F5F0-BDCD-3A41-A62A-86A8FE174DAE}"/>
+              </a:ext>
+            </a:extLst>
+          </p:cNvPr>
+          <p:cNvPicPr>
+            <a:picLocks noChangeAspect="1"/>
+          </p:cNvPicPr>
+          <p:nvPr/>
+        </p:nvPicPr>
         <p:blipFill rotWithShape="1">
-          <a:blip r:embed="rId2"/>
-          <a:srcRect l="454" r="1"/>
+          <a:blip r:embed="rId5"/>
+          <a:srcRect l="632"/>
           <a:stretch/>
         </p:blipFill>
         <p:spPr>
           <a:xfrm>
-            <a:off x="3128504" y="846677"/>
-            <a:ext cx="5861007" cy="5859597"/>
+            <a:off x="3331029" y="865415"/>
+            <a:ext cx="5495310" cy="5477588"/>
           </a:xfrm>
           <a:prstGeom prst="rect">
             <a:avLst/>
@@ -4008,7 +4131,7 @@
     </p:spTree>
     <p:extLst>
       <p:ext uri="{BB962C8B-B14F-4D97-AF65-F5344CB8AC3E}">
-        <p14:creationId xmlns:p14="http://schemas.microsoft.com/office/powerpoint/2010/main" val="485198684"/>
+        <p14:creationId xmlns:p14="http://schemas.microsoft.com/office/powerpoint/2010/main" val="4092297865"/>
       </p:ext>
     </p:extLst>
   </p:cSld>
@@ -4040,6 +4163,107 @@
           <p:cNvPr id="2" name="Заголовок 1">
             <a:extLst>
               <a:ext uri="{FF2B5EF4-FFF2-40B4-BE49-F238E27FC236}">
+                <a16:creationId xmlns:a16="http://schemas.microsoft.com/office/drawing/2014/main" id="{25653A06-64CF-463B-B15B-4FE64FD3C2D6}"/>
+              </a:ext>
+            </a:extLst>
+          </p:cNvPr>
+          <p:cNvSpPr>
+            <a:spLocks noGrp="1"/>
+          </p:cNvSpPr>
+          <p:nvPr>
+            <p:ph type="title"/>
+          </p:nvPr>
+        </p:nvSpPr>
+        <p:spPr>
+          <a:xfrm>
+            <a:off x="-1" y="1"/>
+            <a:ext cx="12118019" cy="846676"/>
+          </a:xfrm>
+        </p:spPr>
+        <p:txBody>
+          <a:bodyPr>
+            <a:normAutofit/>
+          </a:bodyPr>
+          <a:lstStyle/>
+          <a:p>
+            <a:pPr algn="ctr"/>
+            <a:r>
+              <a:rPr lang="ru-RU" dirty="0"/>
+              <a:t>Интерфейс</a:t>
+            </a:r>
+          </a:p>
+        </p:txBody>
+      </p:sp>
+      <p:pic>
+        <p:nvPicPr>
+          <p:cNvPr id="7" name="Объект 6">
+            <a:extLst>
+              <a:ext uri="{FF2B5EF4-FFF2-40B4-BE49-F238E27FC236}">
+                <a16:creationId xmlns:a16="http://schemas.microsoft.com/office/drawing/2014/main" id="{D1BFFC13-C74C-DF46-AB20-EACA37CA05C8}"/>
+              </a:ext>
+            </a:extLst>
+          </p:cNvPr>
+          <p:cNvPicPr>
+            <a:picLocks noGrp="1" noChangeAspect="1"/>
+          </p:cNvPicPr>
+          <p:nvPr>
+            <p:ph idx="1"/>
+          </p:nvPr>
+        </p:nvPicPr>
+        <p:blipFill>
+          <a:blip r:embed="rId2">
+            <a:extLst>
+              <a:ext uri="{28A0092B-C50C-407E-A947-70E740481C1C}">
+                <a14:useLocalDpi xmlns:a14="http://schemas.microsoft.com/office/drawing/2010/main" val="0"/>
+              </a:ext>
+            </a:extLst>
+          </a:blip>
+          <a:stretch>
+            <a:fillRect/>
+          </a:stretch>
+        </p:blipFill>
+        <p:spPr>
+          <a:xfrm>
+            <a:off x="3127978" y="846677"/>
+            <a:ext cx="5936044" cy="5893544"/>
+          </a:xfrm>
+        </p:spPr>
+      </p:pic>
+    </p:spTree>
+    <p:extLst>
+      <p:ext uri="{BB962C8B-B14F-4D97-AF65-F5344CB8AC3E}">
+        <p14:creationId xmlns:p14="http://schemas.microsoft.com/office/powerpoint/2010/main" val="485198684"/>
+      </p:ext>
+    </p:extLst>
+  </p:cSld>
+  <p:clrMapOvr>
+    <a:masterClrMapping/>
+  </p:clrMapOvr>
+</p:sld>
+</file>
+
+<file path=ppt/slides/slide6.xml><?xml version="1.0" encoding="utf-8"?>
+<p:sld xmlns:a="http://schemas.openxmlformats.org/drawingml/2006/main" xmlns:r="http://schemas.openxmlformats.org/officeDocument/2006/relationships" xmlns:p="http://schemas.openxmlformats.org/presentationml/2006/main">
+  <p:cSld>
+    <p:spTree>
+      <p:nvGrpSpPr>
+        <p:cNvPr id="1" name=""/>
+        <p:cNvGrpSpPr/>
+        <p:nvPr/>
+      </p:nvGrpSpPr>
+      <p:grpSpPr>
+        <a:xfrm>
+          <a:off x="0" y="0"/>
+          <a:ext cx="0" cy="0"/>
+          <a:chOff x="0" y="0"/>
+          <a:chExt cx="0" cy="0"/>
+        </a:xfrm>
+      </p:grpSpPr>
+      <p:sp>
+        <p:nvSpPr>
+          <p:cNvPr id="2" name="Заголовок 1">
+            <a:extLst>
+              <a:ext uri="{FF2B5EF4-FFF2-40B4-BE49-F238E27FC236}">
                 <a16:creationId xmlns:a16="http://schemas.microsoft.com/office/drawing/2014/main" id="{A3375120-B977-4DAF-AA0E-A542F1D373F5}"/>
               </a:ext>
             </a:extLst>
@@ -4198,9 +4422,18 @@
               </a:rPr>
               <a:t>Stepik</a:t>
             </a:r>
-            <a:endParaRPr lang="en-US" dirty="0">
-              <a:latin typeface="+mj-lt"/>
-            </a:endParaRPr>
+            <a:r>
+              <a:rPr lang="ru-RU" dirty="0">
+                <a:latin typeface="+mj-lt"/>
+              </a:rPr>
+              <a:t> (</a:t>
+            </a:r>
+            <a:r>
+              <a:rPr lang="en-US" dirty="0">
+                <a:latin typeface="+mj-lt"/>
+              </a:rPr>
+              <a:t>#16)</a:t>
+            </a:r>
           </a:p>
         </p:txBody>
       </p:sp>
